--- a/Taxonomy-Niagara/Tridium_Taxonomy_Presentation_Outline.pptx
+++ b/Taxonomy-Niagara/Tridium_Taxonomy_Presentation_Outline.pptx
@@ -310,7 +310,7 @@
           <a:p>
             <a:fld id="{5BCAD085-E8A6-8845-BD4E-CB4CCA059FC4}" type="datetimeFigureOut">
               <a:rPr lang="en-US" smtClean="0"/>
-              <a:t>5/18/2025</a:t>
+              <a:t>5/19/2025</a:t>
             </a:fld>
             <a:endParaRPr lang="en-US"/>
           </a:p>
@@ -478,7 +478,7 @@
           <a:p>
             <a:fld id="{5BCAD085-E8A6-8845-BD4E-CB4CCA059FC4}" type="datetimeFigureOut">
               <a:rPr lang="en-US" smtClean="0"/>
-              <a:t>5/18/2025</a:t>
+              <a:t>5/19/2025</a:t>
             </a:fld>
             <a:endParaRPr lang="en-US"/>
           </a:p>
@@ -656,7 +656,7 @@
           <a:p>
             <a:fld id="{5BCAD085-E8A6-8845-BD4E-CB4CCA059FC4}" type="datetimeFigureOut">
               <a:rPr lang="en-US" smtClean="0"/>
-              <a:t>5/18/2025</a:t>
+              <a:t>5/19/2025</a:t>
             </a:fld>
             <a:endParaRPr lang="en-US"/>
           </a:p>
@@ -824,7 +824,7 @@
           <a:p>
             <a:fld id="{5BCAD085-E8A6-8845-BD4E-CB4CCA059FC4}" type="datetimeFigureOut">
               <a:rPr lang="en-US" smtClean="0"/>
-              <a:t>5/18/2025</a:t>
+              <a:t>5/19/2025</a:t>
             </a:fld>
             <a:endParaRPr lang="en-US"/>
           </a:p>
@@ -1069,7 +1069,7 @@
           <a:p>
             <a:fld id="{5BCAD085-E8A6-8845-BD4E-CB4CCA059FC4}" type="datetimeFigureOut">
               <a:rPr lang="en-US" smtClean="0"/>
-              <a:t>5/18/2025</a:t>
+              <a:t>5/19/2025</a:t>
             </a:fld>
             <a:endParaRPr lang="en-US"/>
           </a:p>
@@ -1354,7 +1354,7 @@
           <a:p>
             <a:fld id="{5BCAD085-E8A6-8845-BD4E-CB4CCA059FC4}" type="datetimeFigureOut">
               <a:rPr lang="en-US" smtClean="0"/>
-              <a:t>5/18/2025</a:t>
+              <a:t>5/19/2025</a:t>
             </a:fld>
             <a:endParaRPr lang="en-US"/>
           </a:p>
@@ -1773,7 +1773,7 @@
           <a:p>
             <a:fld id="{5BCAD085-E8A6-8845-BD4E-CB4CCA059FC4}" type="datetimeFigureOut">
               <a:rPr lang="en-US" smtClean="0"/>
-              <a:t>5/18/2025</a:t>
+              <a:t>5/19/2025</a:t>
             </a:fld>
             <a:endParaRPr lang="en-US"/>
           </a:p>
@@ -1890,7 +1890,7 @@
           <a:p>
             <a:fld id="{5BCAD085-E8A6-8845-BD4E-CB4CCA059FC4}" type="datetimeFigureOut">
               <a:rPr lang="en-US" smtClean="0"/>
-              <a:t>5/18/2025</a:t>
+              <a:t>5/19/2025</a:t>
             </a:fld>
             <a:endParaRPr lang="en-US"/>
           </a:p>
@@ -1985,7 +1985,7 @@
           <a:p>
             <a:fld id="{5BCAD085-E8A6-8845-BD4E-CB4CCA059FC4}" type="datetimeFigureOut">
               <a:rPr lang="en-US" smtClean="0"/>
-              <a:t>5/18/2025</a:t>
+              <a:t>5/19/2025</a:t>
             </a:fld>
             <a:endParaRPr lang="en-US"/>
           </a:p>
@@ -2260,7 +2260,7 @@
           <a:p>
             <a:fld id="{5BCAD085-E8A6-8845-BD4E-CB4CCA059FC4}" type="datetimeFigureOut">
               <a:rPr lang="en-US" smtClean="0"/>
-              <a:t>5/18/2025</a:t>
+              <a:t>5/19/2025</a:t>
             </a:fld>
             <a:endParaRPr lang="en-US"/>
           </a:p>
@@ -2512,7 +2512,7 @@
           <a:p>
             <a:fld id="{5BCAD085-E8A6-8845-BD4E-CB4CCA059FC4}" type="datetimeFigureOut">
               <a:rPr lang="en-US" smtClean="0"/>
-              <a:t>5/18/2025</a:t>
+              <a:t>5/19/2025</a:t>
             </a:fld>
             <a:endParaRPr lang="en-US"/>
           </a:p>
@@ -2723,7 +2723,7 @@
           <a:p>
             <a:fld id="{5BCAD085-E8A6-8845-BD4E-CB4CCA059FC4}" type="datetimeFigureOut">
               <a:rPr lang="en-US" smtClean="0"/>
-              <a:t>5/18/2025</a:t>
+              <a:t>5/19/2025</a:t>
             </a:fld>
             <a:endParaRPr lang="en-US"/>
           </a:p>
@@ -3202,16 +3202,32 @@
           <a:lstStyle/>
           <a:p>
             <a:r>
+              <a:rPr dirty="0"/>
               <a:t>- Structured classification of all Tridium products</a:t>
             </a:r>
           </a:p>
           <a:p>
             <a:r>
-              <a:t>- Metadata includes: Functionality, Platform, Deployment, Audience</a:t>
-            </a:r>
-          </a:p>
-          <a:p>
-            <a:r>
+              <a:rPr dirty="0"/>
+              <a:t>- Metadata </a:t>
+            </a:r>
+            <a:r>
+              <a:rPr lang="en-US" dirty="0"/>
+              <a:t>includes:</a:t>
+            </a:r>
+          </a:p>
+          <a:p>
+            <a:pPr marL="457200" lvl="1" indent="0">
+              <a:buNone/>
+            </a:pPr>
+            <a:r>
+              <a:rPr dirty="0"/>
+              <a:t> Functionality, Platform, Deployment, Audience</a:t>
+            </a:r>
+          </a:p>
+          <a:p>
+            <a:r>
+              <a:rPr dirty="0"/>
               <a:t>- Supports consistency across documentation, support, and marketing</a:t>
             </a:r>
           </a:p>
@@ -4115,4 +4131,10 @@
   </a:objectDefaults>
   <a:extraClrSchemeLst/>
 </a:theme>
+</file>
+
+<file path=docMetadata/LabelInfo.xml><?xml version="1.0" encoding="utf-8"?>
+<clbl:labelList xmlns:clbl="http://schemas.microsoft.com/office/2020/mipLabelMetadata">
+  <clbl:label id="{d546e5e1-5d42-4630-bacd-c69bfdcbd5e8}" enabled="1" method="Standard" siteId="{96ece526-9c7d-48b0-8daf-8b93c90a5d18}" contentBits="0" removed="0"/>
+</clbl:labelList>
 </file>